--- a/HelloWorld/その他コンテンツ/OJT課題の仕様書.pptx
+++ b/HelloWorld/その他コンテンツ/OJT課題の仕様書.pptx
@@ -139,10 +139,6 @@
 </p:presentation>
 </file>
 
-<file path=ppt/revisionInfo.xml><?xml version="1.0" encoding="utf-8"?>
-<p1510:revInfo xmlns:a="http://schemas.openxmlformats.org/drawingml/2006/main" xmlns:r="http://schemas.openxmlformats.org/officeDocument/2006/relationships" xmlns:p1510="http://schemas.microsoft.com/office/powerpoint/2015/10/main"/>
-</file>
-
 <file path=ppt/handoutMasters/handoutMaster1.xml><?xml version="1.0" encoding="utf-8"?>
 <p:handoutMaster xmlns:a="http://schemas.openxmlformats.org/drawingml/2006/main" xmlns:r="http://schemas.openxmlformats.org/officeDocument/2006/relationships" xmlns:p="http://schemas.openxmlformats.org/presentationml/2006/main">
   <p:cSld>
@@ -225,7 +221,7 @@
           <a:p>
             <a:fld id="{A33D3AC4-C662-4DF3-9670-A9F51BE8179B}" type="datetimeFigureOut">
               <a:rPr kumimoji="1" lang="ja-JP" altLang="en-US" smtClean="0"/>
-              <a:t>2017/12/28</a:t>
+              <a:t>2019/6/19</a:t>
             </a:fld>
             <a:endParaRPr kumimoji="1" lang="ja-JP" altLang="en-US"/>
           </a:p>
@@ -390,7 +386,7 @@
           <a:p>
             <a:fld id="{BA4D8D54-F767-4B87-84F4-54B4928AC071}" type="datetimeFigureOut">
               <a:rPr kumimoji="1" lang="ja-JP" altLang="en-US" smtClean="0"/>
-              <a:t>2017/12/28</a:t>
+              <a:t>2019/6/19</a:t>
             </a:fld>
             <a:endParaRPr kumimoji="1" lang="ja-JP" altLang="en-US"/>
           </a:p>
@@ -868,7 +864,7 @@
           <a:p>
             <a:fld id="{36B86872-55A0-49C1-B9D2-1FF773F585F8}" type="datetimeFigureOut">
               <a:rPr kumimoji="1" lang="ja-JP" altLang="en-US" smtClean="0"/>
-              <a:t>2017/12/28</a:t>
+              <a:t>2019/6/19</a:t>
             </a:fld>
             <a:endParaRPr kumimoji="1" lang="ja-JP" altLang="en-US"/>
           </a:p>
@@ -1068,7 +1064,7 @@
           <a:p>
             <a:fld id="{36B86872-55A0-49C1-B9D2-1FF773F585F8}" type="datetimeFigureOut">
               <a:rPr kumimoji="1" lang="ja-JP" altLang="en-US" smtClean="0"/>
-              <a:t>2017/12/28</a:t>
+              <a:t>2019/6/19</a:t>
             </a:fld>
             <a:endParaRPr kumimoji="1" lang="ja-JP" altLang="en-US"/>
           </a:p>
@@ -1278,7 +1274,7 @@
           <a:p>
             <a:fld id="{36B86872-55A0-49C1-B9D2-1FF773F585F8}" type="datetimeFigureOut">
               <a:rPr kumimoji="1" lang="ja-JP" altLang="en-US" smtClean="0"/>
-              <a:t>2017/12/28</a:t>
+              <a:t>2019/6/19</a:t>
             </a:fld>
             <a:endParaRPr kumimoji="1" lang="ja-JP" altLang="en-US"/>
           </a:p>
@@ -1478,7 +1474,7 @@
           <a:p>
             <a:fld id="{36B86872-55A0-49C1-B9D2-1FF773F585F8}" type="datetimeFigureOut">
               <a:rPr kumimoji="1" lang="ja-JP" altLang="en-US" smtClean="0"/>
-              <a:t>2017/12/28</a:t>
+              <a:t>2019/6/19</a:t>
             </a:fld>
             <a:endParaRPr kumimoji="1" lang="ja-JP" altLang="en-US"/>
           </a:p>
@@ -1723,7 +1719,7 @@
           <a:p>
             <a:fld id="{36B86872-55A0-49C1-B9D2-1FF773F585F8}" type="datetimeFigureOut">
               <a:rPr kumimoji="1" lang="ja-JP" altLang="en-US" smtClean="0"/>
-              <a:t>2017/12/28</a:t>
+              <a:t>2019/6/19</a:t>
             </a:fld>
             <a:endParaRPr kumimoji="1" lang="ja-JP" altLang="en-US"/>
           </a:p>
@@ -2072,7 +2068,7 @@
           <a:p>
             <a:fld id="{36B86872-55A0-49C1-B9D2-1FF773F585F8}" type="datetimeFigureOut">
               <a:rPr kumimoji="1" lang="ja-JP" altLang="en-US" smtClean="0"/>
-              <a:t>2017/12/28</a:t>
+              <a:t>2019/6/19</a:t>
             </a:fld>
             <a:endParaRPr kumimoji="1" lang="ja-JP" altLang="en-US"/>
           </a:p>
@@ -2555,7 +2551,7 @@
           <a:p>
             <a:fld id="{36B86872-55A0-49C1-B9D2-1FF773F585F8}" type="datetimeFigureOut">
               <a:rPr kumimoji="1" lang="ja-JP" altLang="en-US" smtClean="0"/>
-              <a:t>2017/12/28</a:t>
+              <a:t>2019/6/19</a:t>
             </a:fld>
             <a:endParaRPr kumimoji="1" lang="ja-JP" altLang="en-US"/>
           </a:p>
@@ -2672,7 +2668,7 @@
           <a:p>
             <a:fld id="{36B86872-55A0-49C1-B9D2-1FF773F585F8}" type="datetimeFigureOut">
               <a:rPr kumimoji="1" lang="ja-JP" altLang="en-US" smtClean="0"/>
-              <a:t>2017/12/28</a:t>
+              <a:t>2019/6/19</a:t>
             </a:fld>
             <a:endParaRPr kumimoji="1" lang="ja-JP" altLang="en-US"/>
           </a:p>
@@ -2767,7 +2763,7 @@
           <a:p>
             <a:fld id="{36B86872-55A0-49C1-B9D2-1FF773F585F8}" type="datetimeFigureOut">
               <a:rPr kumimoji="1" lang="ja-JP" altLang="en-US" smtClean="0"/>
-              <a:t>2017/12/28</a:t>
+              <a:t>2019/6/19</a:t>
             </a:fld>
             <a:endParaRPr kumimoji="1" lang="ja-JP" altLang="en-US"/>
           </a:p>
@@ -3074,7 +3070,7 @@
           <a:p>
             <a:fld id="{36B86872-55A0-49C1-B9D2-1FF773F585F8}" type="datetimeFigureOut">
               <a:rPr kumimoji="1" lang="ja-JP" altLang="en-US" smtClean="0"/>
-              <a:t>2017/12/28</a:t>
+              <a:t>2019/6/19</a:t>
             </a:fld>
             <a:endParaRPr kumimoji="1" lang="ja-JP" altLang="en-US"/>
           </a:p>
@@ -3326,7 +3322,7 @@
           <a:p>
             <a:fld id="{36B86872-55A0-49C1-B9D2-1FF773F585F8}" type="datetimeFigureOut">
               <a:rPr kumimoji="1" lang="ja-JP" altLang="en-US" smtClean="0"/>
-              <a:t>2017/12/28</a:t>
+              <a:t>2019/6/19</a:t>
             </a:fld>
             <a:endParaRPr kumimoji="1" lang="ja-JP" altLang="en-US"/>
           </a:p>
@@ -3569,7 +3565,7 @@
           <a:p>
             <a:fld id="{36B86872-55A0-49C1-B9D2-1FF773F585F8}" type="datetimeFigureOut">
               <a:rPr kumimoji="1" lang="ja-JP" altLang="en-US" smtClean="0"/>
-              <a:t>2017/12/28</a:t>
+              <a:t>2019/6/19</a:t>
             </a:fld>
             <a:endParaRPr kumimoji="1" lang="ja-JP" altLang="en-US"/>
           </a:p>
@@ -4063,7 +4059,7 @@
         </p:spPr>
         <p:txBody>
           <a:bodyPr>
-            <a:normAutofit fontScale="85000" lnSpcReduction="20000"/>
+            <a:normAutofit fontScale="92500" lnSpcReduction="10000"/>
           </a:bodyPr>
           <a:lstStyle/>
           <a:p>
@@ -4264,25 +4260,15 @@
           <a:p>
             <a:r>
               <a:rPr lang="ja-JP" altLang="en-US" sz="2000" dirty="0"/>
-              <a:t>コメントは適切な頻度で書いてください。ある程度、知ってる人前提に見せるものとして、懇切丁寧・冗長には書かなくても良いです。ただし、「読めるコード」にはしてください。</a:t>
-            </a:r>
-            <a:endParaRPr lang="en-US" altLang="ja-JP" sz="2000" dirty="0"/>
-          </a:p>
-          <a:p>
+              <a:t>コメントは適切な頻度で書いてください。ある程度、</a:t>
+            </a:r>
             <a:r>
               <a:rPr lang="en-US" altLang="ja-JP" sz="2000" dirty="0"/>
-              <a:t>JSP</a:t>
+              <a:t>Java</a:t>
             </a:r>
             <a:r>
               <a:rPr lang="ja-JP" altLang="en-US" sz="2000" dirty="0"/>
-              <a:t>の見た目・デザインは、こだわらなくて良いです。</a:t>
-            </a:r>
-            <a:br>
-              <a:rPr lang="en-US" altLang="ja-JP" sz="2000" dirty="0"/>
-            </a:br>
-            <a:r>
-              <a:rPr lang="ja-JP" altLang="en-US" sz="2000" dirty="0"/>
-              <a:t>ただし、「読めるコード」にはしてください。</a:t>
+              <a:t>を知ってる人を前提に見せるものとして、懇切丁寧・冗長には書かなくても良いです。</a:t>
             </a:r>
             <a:endParaRPr lang="en-US" altLang="ja-JP" sz="2000" dirty="0"/>
           </a:p>
@@ -4297,13 +4283,6 @@
             <a:r>
               <a:rPr kumimoji="1" lang="ja-JP" altLang="en-US" sz="2000" dirty="0"/>
               <a:t>動作確認をして、仕様通り動くものを提出してください。</a:t>
-            </a:r>
-            <a:br>
-              <a:rPr kumimoji="1" lang="en-US" altLang="ja-JP" sz="2000" dirty="0"/>
-            </a:br>
-            <a:r>
-              <a:rPr kumimoji="1" lang="ja-JP" altLang="en-US" sz="2000" dirty="0"/>
-              <a:t>（中途半端でもＯＫになったらトレーニングにならないので）</a:t>
             </a:r>
           </a:p>
         </p:txBody>
@@ -4465,7 +4444,14 @@
             <a:pPr lvl="1"/>
             <a:r>
               <a:rPr lang="ja-JP" altLang="en-US" dirty="0"/>
-              <a:t>会社の正式な課題ではないので業務外時間で実装してください。</a:t>
+              <a:t>会社の正式な課題ではないので、原則、</a:t>
+            </a:r>
+            <a:br>
+              <a:rPr lang="en-US" altLang="ja-JP" dirty="0"/>
+            </a:br>
+            <a:r>
+              <a:rPr lang="ja-JP" altLang="en-US" dirty="0"/>
+              <a:t>業務外時間で実装してください。</a:t>
             </a:r>
             <a:endParaRPr kumimoji="1" lang="ja-JP" altLang="en-US" dirty="0"/>
           </a:p>

--- a/HelloWorld/その他コンテンツ/OJT課題の仕様書.pptx
+++ b/HelloWorld/その他コンテンツ/OJT課題の仕様書.pptx
@@ -4059,7 +4059,7 @@
         </p:spPr>
         <p:txBody>
           <a:bodyPr>
-            <a:normAutofit fontScale="92500" lnSpcReduction="10000"/>
+            <a:normAutofit fontScale="92500" lnSpcReduction="20000"/>
           </a:bodyPr>
           <a:lstStyle/>
           <a:p>
@@ -4230,7 +4230,14 @@
             </a:br>
             <a:r>
               <a:rPr lang="ja-JP" altLang="en-US" sz="2000" dirty="0"/>
-              <a:t>（スクリプトレットは、可読性が落ちるので極力さけてください。）</a:t>
+              <a:t>スクリプトレットは、可読性が落ちるので極力さけてください。</a:t>
+            </a:r>
+            <a:endParaRPr lang="en-US" altLang="ja-JP" sz="2000" dirty="0"/>
+          </a:p>
+          <a:p>
+            <a:r>
+              <a:rPr lang="ja-JP" altLang="en-US" sz="2000" dirty="0"/>
+              <a:t>フロントエンド開発の課題ではないためデザインはこだわらなくてよいです。</a:t>
             </a:r>
             <a:endParaRPr lang="en-US" altLang="ja-JP" sz="2000" dirty="0"/>
           </a:p>
@@ -4351,7 +4358,9 @@
         </p:nvSpPr>
         <p:spPr/>
         <p:txBody>
-          <a:bodyPr/>
+          <a:bodyPr>
+            <a:normAutofit fontScale="92500" lnSpcReduction="20000"/>
+          </a:bodyPr>
           <a:lstStyle/>
           <a:p>
             <a:r>
@@ -4429,7 +4438,26 @@
             <a:pPr lvl="1"/>
             <a:r>
               <a:rPr lang="ja-JP" altLang="en-US" dirty="0"/>
-              <a:t>解答例をお渡しするので申し出てください</a:t>
+              <a:t>以下に解答例を掲載しています。</a:t>
+            </a:r>
+            <a:endParaRPr lang="en-US" altLang="ja-JP" dirty="0">
+              <a:hlinkClick r:id="rId3"/>
+            </a:endParaRPr>
+          </a:p>
+          <a:p>
+            <a:pPr lvl="1"/>
+            <a:r>
+              <a:rPr lang="en-US" altLang="ja-JP" dirty="0">
+                <a:hlinkClick r:id="rId3"/>
+              </a:rPr>
+              <a:t>https://github.com/konbukonbu/mywork</a:t>
+            </a:r>
+            <a:br>
+              <a:rPr lang="en-US" altLang="ja-JP" dirty="0"/>
+            </a:br>
+            <a:r>
+              <a:rPr lang="en-US" altLang="ja-JP" dirty="0" err="1"/>
+              <a:t>PracticeWebApp</a:t>
             </a:r>
             <a:endParaRPr lang="en-US" altLang="ja-JP" dirty="0"/>
           </a:p>
